--- a/政府單位認證考試報名平台-專案報告.pptx
+++ b/政府單位認證考試報名平台-專案報告.pptx
@@ -270,7 +270,7 @@
           <a:p>
             <a:fld id="{CD01F5B9-A627-4E22-98F5-BB67D74EDEC5}" type="datetimeFigureOut">
               <a:rPr lang="zh-TW" altLang="en-US" smtClean="0"/>
-              <a:t>2024/6/1</a:t>
+              <a:t>2024/10/5</a:t>
             </a:fld>
             <a:endParaRPr lang="zh-TW" altLang="en-US"/>
           </a:p>
@@ -468,7 +468,7 @@
           <a:p>
             <a:fld id="{CD01F5B9-A627-4E22-98F5-BB67D74EDEC5}" type="datetimeFigureOut">
               <a:rPr lang="zh-TW" altLang="en-US" smtClean="0"/>
-              <a:t>2024/6/1</a:t>
+              <a:t>2024/10/5</a:t>
             </a:fld>
             <a:endParaRPr lang="zh-TW" altLang="en-US"/>
           </a:p>
@@ -676,7 +676,7 @@
           <a:p>
             <a:fld id="{CD01F5B9-A627-4E22-98F5-BB67D74EDEC5}" type="datetimeFigureOut">
               <a:rPr lang="zh-TW" altLang="en-US" smtClean="0"/>
-              <a:t>2024/6/1</a:t>
+              <a:t>2024/10/5</a:t>
             </a:fld>
             <a:endParaRPr lang="zh-TW" altLang="en-US"/>
           </a:p>
@@ -874,7 +874,7 @@
           <a:p>
             <a:fld id="{CD01F5B9-A627-4E22-98F5-BB67D74EDEC5}" type="datetimeFigureOut">
               <a:rPr lang="zh-TW" altLang="en-US" smtClean="0"/>
-              <a:t>2024/6/1</a:t>
+              <a:t>2024/10/5</a:t>
             </a:fld>
             <a:endParaRPr lang="zh-TW" altLang="en-US"/>
           </a:p>
@@ -1149,7 +1149,7 @@
           <a:p>
             <a:fld id="{CD01F5B9-A627-4E22-98F5-BB67D74EDEC5}" type="datetimeFigureOut">
               <a:rPr lang="zh-TW" altLang="en-US" smtClean="0"/>
-              <a:t>2024/6/1</a:t>
+              <a:t>2024/10/5</a:t>
             </a:fld>
             <a:endParaRPr lang="zh-TW" altLang="en-US"/>
           </a:p>
@@ -1414,7 +1414,7 @@
           <a:p>
             <a:fld id="{CD01F5B9-A627-4E22-98F5-BB67D74EDEC5}" type="datetimeFigureOut">
               <a:rPr lang="zh-TW" altLang="en-US" smtClean="0"/>
-              <a:t>2024/6/1</a:t>
+              <a:t>2024/10/5</a:t>
             </a:fld>
             <a:endParaRPr lang="zh-TW" altLang="en-US"/>
           </a:p>
@@ -1826,7 +1826,7 @@
           <a:p>
             <a:fld id="{CD01F5B9-A627-4E22-98F5-BB67D74EDEC5}" type="datetimeFigureOut">
               <a:rPr lang="zh-TW" altLang="en-US" smtClean="0"/>
-              <a:t>2024/6/1</a:t>
+              <a:t>2024/10/5</a:t>
             </a:fld>
             <a:endParaRPr lang="zh-TW" altLang="en-US"/>
           </a:p>
@@ -1967,7 +1967,7 @@
           <a:p>
             <a:fld id="{CD01F5B9-A627-4E22-98F5-BB67D74EDEC5}" type="datetimeFigureOut">
               <a:rPr lang="zh-TW" altLang="en-US" smtClean="0"/>
-              <a:t>2024/6/1</a:t>
+              <a:t>2024/10/5</a:t>
             </a:fld>
             <a:endParaRPr lang="zh-TW" altLang="en-US"/>
           </a:p>
@@ -2080,7 +2080,7 @@
           <a:p>
             <a:fld id="{CD01F5B9-A627-4E22-98F5-BB67D74EDEC5}" type="datetimeFigureOut">
               <a:rPr lang="zh-TW" altLang="en-US" smtClean="0"/>
-              <a:t>2024/6/1</a:t>
+              <a:t>2024/10/5</a:t>
             </a:fld>
             <a:endParaRPr lang="zh-TW" altLang="en-US"/>
           </a:p>
@@ -2391,7 +2391,7 @@
           <a:p>
             <a:fld id="{CD01F5B9-A627-4E22-98F5-BB67D74EDEC5}" type="datetimeFigureOut">
               <a:rPr lang="zh-TW" altLang="en-US" smtClean="0"/>
-              <a:t>2024/6/1</a:t>
+              <a:t>2024/10/5</a:t>
             </a:fld>
             <a:endParaRPr lang="zh-TW" altLang="en-US"/>
           </a:p>
@@ -2679,7 +2679,7 @@
           <a:p>
             <a:fld id="{CD01F5B9-A627-4E22-98F5-BB67D74EDEC5}" type="datetimeFigureOut">
               <a:rPr lang="zh-TW" altLang="en-US" smtClean="0"/>
-              <a:t>2024/6/1</a:t>
+              <a:t>2024/10/5</a:t>
             </a:fld>
             <a:endParaRPr lang="zh-TW" altLang="en-US"/>
           </a:p>
@@ -2920,7 +2920,7 @@
           <a:p>
             <a:fld id="{CD01F5B9-A627-4E22-98F5-BB67D74EDEC5}" type="datetimeFigureOut">
               <a:rPr lang="zh-TW" altLang="en-US" smtClean="0"/>
-              <a:t>2024/6/1</a:t>
+              <a:t>2024/10/5</a:t>
             </a:fld>
             <a:endParaRPr lang="zh-TW" altLang="en-US"/>
           </a:p>
@@ -3524,8 +3524,8 @@
         </p:nvSpPr>
         <p:spPr>
           <a:xfrm>
-            <a:off x="5178235" y="1833677"/>
-            <a:ext cx="5248553" cy="584775"/>
+            <a:off x="5494092" y="1878251"/>
+            <a:ext cx="5525872" cy="523220"/>
           </a:xfrm>
           <a:prstGeom prst="rect">
             <a:avLst/>
@@ -3533,22 +3533,22 @@
           <a:noFill/>
         </p:spPr>
         <p:txBody>
-          <a:bodyPr wrap="none" rtlCol="0">
+          <a:bodyPr wrap="square" rtlCol="0">
             <a:spAutoFit/>
           </a:bodyPr>
           <a:lstStyle/>
           <a:p>
             <a:r>
-              <a:rPr lang="zh-TW" altLang="en-US" sz="3200" b="1" dirty="0">
+              <a:rPr lang="zh-TW" altLang="en-US" sz="2800" b="1" dirty="0">
                 <a:solidFill>
                   <a:schemeClr val="bg1"/>
                 </a:solidFill>
                 <a:ea typeface="微軟正黑體" panose="020B0604030504040204" pitchFamily="34" charset="-120"/>
               </a:rPr>
-              <a:t>政府單位認證考試</a:t>
-            </a:r>
-            <a:r>
-              <a:rPr lang="en-US" altLang="zh-TW" sz="3200" b="1" dirty="0">
+              <a:t>政府單位考試</a:t>
+            </a:r>
+            <a:r>
+              <a:rPr lang="en-US" altLang="zh-TW" sz="2800" b="1" dirty="0">
                 <a:solidFill>
                   <a:schemeClr val="bg1"/>
                 </a:solidFill>
@@ -3557,13 +3557,31 @@
               <a:t>-</a:t>
             </a:r>
             <a:r>
-              <a:rPr lang="zh-TW" altLang="en-US" sz="3200" b="1" dirty="0">
+              <a:rPr lang="zh-TW" altLang="en-US" sz="2800" b="1" dirty="0">
                 <a:solidFill>
                   <a:schemeClr val="bg1"/>
                 </a:solidFill>
                 <a:ea typeface="微軟正黑體" panose="020B0604030504040204" pitchFamily="34" charset="-120"/>
               </a:rPr>
-              <a:t>報名平台</a:t>
+              <a:t>報名</a:t>
+            </a:r>
+            <a:r>
+              <a:rPr lang="en-US" altLang="zh-TW" sz="2800" b="1" dirty="0">
+                <a:solidFill>
+                  <a:schemeClr val="bg1"/>
+                </a:solidFill>
+                <a:ea typeface="微軟正黑體" panose="020B0604030504040204" pitchFamily="34" charset="-120"/>
+              </a:rPr>
+              <a:t>&amp;</a:t>
+            </a:r>
+            <a:r>
+              <a:rPr lang="zh-TW" altLang="en-US" sz="2800" b="1" dirty="0">
+                <a:solidFill>
+                  <a:schemeClr val="bg1"/>
+                </a:solidFill>
+                <a:ea typeface="微軟正黑體" panose="020B0604030504040204" pitchFamily="34" charset="-120"/>
+              </a:rPr>
+              <a:t>管理平台</a:t>
             </a:r>
           </a:p>
         </p:txBody>
@@ -3629,7 +3647,7 @@
         </p:nvSpPr>
         <p:spPr>
           <a:xfrm>
-            <a:off x="7427363" y="4526042"/>
+            <a:off x="6949460" y="4509061"/>
             <a:ext cx="2236510" cy="400110"/>
           </a:xfrm>
           <a:prstGeom prst="rect">
@@ -9513,7 +9531,7 @@
         </p:blipFill>
         <p:spPr>
           <a:xfrm>
-            <a:off x="3140565" y="3481120"/>
+            <a:off x="3079058" y="2691292"/>
             <a:ext cx="1898641" cy="623824"/>
           </a:xfrm>
           <a:prstGeom prst="rect">
@@ -14646,7 +14664,7 @@
         </p:nvSpPr>
         <p:spPr>
           <a:xfrm rot="5400000" flipV="1">
-            <a:off x="-1086349" y="2942153"/>
+            <a:off x="-1075831" y="2958937"/>
             <a:ext cx="2727495" cy="243275"/>
           </a:xfrm>
           <a:prstGeom prst="rect">
@@ -14700,7 +14718,7 @@
         </p:nvSpPr>
         <p:spPr>
           <a:xfrm flipV="1">
-            <a:off x="157755" y="4169751"/>
+            <a:off x="192404" y="4158955"/>
             <a:ext cx="666529" cy="378691"/>
           </a:xfrm>
           <a:prstGeom prst="rightArrow">
